--- a/documents/poster.pptx
+++ b/documents/poster.pptx
@@ -104,6 +104,11 @@
       </a:defRPr>
     </a:lvl9pPr>
   </p:defaultTextStyle>
+  <p:extLst>
+    <p:ext uri="{EFAFB233-063F-42B5-8137-9DF3F51BA10A}">
+      <p15:sldGuideLst xmlns:p15="http://schemas.microsoft.com/office/powerpoint/2012/main"/>
+    </p:ext>
+  </p:extLst>
 </p:presentation>
 </file>
 
@@ -3721,7 +3726,7 @@
                 <a:latin typeface="Arial"/>
                 <a:ea typeface="DejaVu Sans"/>
               </a:rPr>
-              <a:t>adac123 repository:</a:t>
+              <a:t>cost-sensitive-boosting repository:</a:t>
             </a:r>
             <a:endParaRPr lang="en-US" sz="2000" b="0" strike="noStrike" spc="-1" dirty="0">
               <a:latin typeface="Arial"/>
@@ -3740,14 +3745,12 @@
               <a:buChar char=""/>
             </a:pPr>
             <a:r>
-              <a:rPr lang="en-US" sz="1500" b="0" strike="noStrike" spc="-1" dirty="0">
+              <a:rPr lang="en-US" sz="1500" spc="-1">
                 <a:solidFill>
                   <a:srgbClr val="000000"/>
                 </a:solidFill>
-                <a:latin typeface="Arial"/>
-                <a:ea typeface="DejaVu Sans"/>
               </a:rPr>
-              <a:t>TODO</a:t>
+              <a:t>https://gitlab.com/omar.araboghli/cost-sensitive-boosting.git</a:t>
             </a:r>
             <a:endParaRPr lang="en-US" sz="1500" b="0" strike="noStrike" spc="-1" dirty="0">
               <a:latin typeface="Arial"/>
@@ -3781,7 +3784,7 @@
             </p:txBody>
           </p:sp>
         </mc:Choice>
-        <mc:Fallback xmlns:p15="http://schemas.microsoft.com/office/powerpoint/2012/main" xmlns:p14="http://schemas.microsoft.com/office/powerpoint/2010/main" xmlns=""/>
+        <mc:Fallback xmlns="" xmlns:p14="http://schemas.microsoft.com/office/powerpoint/2010/main" xmlns:p15="http://schemas.microsoft.com/office/powerpoint/2012/main"/>
       </mc:AlternateContent>
       <p:sp>
         <p:nvSpPr>
